--- a/ebook IA.pptx
+++ b/ebook IA.pptx
@@ -6,26 +6,27 @@
     <p:sldMasterId id="2147483659" r:id="rId3"/>
   </p:sldMasterIdLst>
   <p:notesMasterIdLst>
-    <p:notesMasterId r:id="rId18"/>
+    <p:notesMasterId r:id="rId19"/>
   </p:notesMasterIdLst>
   <p:handoutMasterIdLst>
-    <p:handoutMasterId r:id="rId19"/>
+    <p:handoutMasterId r:id="rId20"/>
   </p:handoutMasterIdLst>
   <p:sldIdLst>
-    <p:sldId id="256" r:id="rId4"/>
-    <p:sldId id="263" r:id="rId5"/>
-    <p:sldId id="258" r:id="rId6"/>
-    <p:sldId id="265" r:id="rId7"/>
-    <p:sldId id="266" r:id="rId8"/>
-    <p:sldId id="264" r:id="rId9"/>
-    <p:sldId id="268" r:id="rId10"/>
-    <p:sldId id="267" r:id="rId11"/>
-    <p:sldId id="269" r:id="rId12"/>
-    <p:sldId id="270" r:id="rId13"/>
-    <p:sldId id="274" r:id="rId14"/>
-    <p:sldId id="272" r:id="rId15"/>
-    <p:sldId id="271" r:id="rId16"/>
-    <p:sldId id="273" r:id="rId17"/>
+    <p:sldId id="278" r:id="rId4"/>
+    <p:sldId id="256" r:id="rId5"/>
+    <p:sldId id="263" r:id="rId6"/>
+    <p:sldId id="258" r:id="rId7"/>
+    <p:sldId id="265" r:id="rId8"/>
+    <p:sldId id="266" r:id="rId9"/>
+    <p:sldId id="264" r:id="rId10"/>
+    <p:sldId id="268" r:id="rId11"/>
+    <p:sldId id="267" r:id="rId12"/>
+    <p:sldId id="269" r:id="rId13"/>
+    <p:sldId id="270" r:id="rId14"/>
+    <p:sldId id="274" r:id="rId15"/>
+    <p:sldId id="272" r:id="rId16"/>
+    <p:sldId id="271" r:id="rId17"/>
+    <p:sldId id="273" r:id="rId18"/>
   </p:sldIdLst>
   <p:sldSz cx="9601200" cy="12801600" type="A3"/>
   <p:notesSz cx="7103745" cy="10234295"/>
@@ -6533,249 +6534,216 @@
           <a:chExt cx="0" cy="0"/>
         </a:xfrm>
       </p:grpSpPr>
-      <p:pic>
-        <p:nvPicPr>
-          <p:cNvPr id="3" name="Imagem 2" descr="_cb2de3a6-c727-440f-9a44-772b81665169"/>
-          <p:cNvPicPr>
-            <a:picLocks noChangeAspect="1"/>
-          </p:cNvPicPr>
+      <p:grpSp>
+        <p:nvGrpSpPr>
+          <p:cNvPr id="2" name="Grupo 1"/>
+          <p:cNvGrpSpPr/>
           <p:nvPr/>
-        </p:nvPicPr>
-        <p:blipFill>
-          <a:blip r:embed="rId1"/>
-          <a:srcRect l="17989" t="20317" r="13915"/>
-          <a:stretch>
-            <a:fillRect/>
-          </a:stretch>
-        </p:blipFill>
-        <p:spPr>
-          <a:xfrm>
-            <a:off x="-635" y="1280795"/>
-            <a:ext cx="9601200" cy="11235055"/>
-          </a:xfrm>
-          <a:prstGeom prst="rect">
-            <a:avLst/>
-          </a:prstGeom>
-        </p:spPr>
-      </p:pic>
-      <p:sp>
-        <p:nvSpPr>
-          <p:cNvPr id="6" name="Caixa de Texto 5"/>
-          <p:cNvSpPr txBox="1"/>
-          <p:nvPr/>
-        </p:nvSpPr>
-        <p:spPr>
-          <a:xfrm>
-            <a:off x="-12700" y="76200"/>
-            <a:ext cx="9613900" cy="891540"/>
-          </a:xfrm>
-          <a:prstGeom prst="rect">
-            <a:avLst/>
-          </a:prstGeom>
-          <a:noFill/>
-        </p:spPr>
-        <p:txBody>
-          <a:bodyPr wrap="square" rtlCol="0">
-            <a:spAutoFit/>
-          </a:bodyPr>
-          <a:p>
-            <a:pPr algn="ctr"/>
-            <a:r>
-              <a:rPr lang="pt-BR" altLang="en-US" sz="5200" b="1">
+        </p:nvGrpSpPr>
+        <p:grpSpPr>
+          <a:xfrm>
+            <a:off x="-635" y="1823085"/>
+            <a:ext cx="9884410" cy="10180320"/>
+            <a:chOff x="-1" y="2871"/>
+            <a:chExt cx="15566" cy="16032"/>
+          </a:xfrm>
+        </p:grpSpPr>
+        <p:pic>
+          <p:nvPicPr>
+            <p:cNvPr id="3" name="Imagem 2" descr="_cb2de3a6-c727-440f-9a44-772b81665169"/>
+            <p:cNvPicPr>
+              <a:picLocks noChangeAspect="1"/>
+            </p:cNvPicPr>
+            <p:nvPr/>
+          </p:nvPicPr>
+          <p:blipFill>
+            <a:blip r:embed="rId1"/>
+            <a:srcRect l="17989" t="24163" r="13915" b="3634"/>
+            <a:stretch>
+              <a:fillRect/>
+            </a:stretch>
+          </p:blipFill>
+          <p:spPr>
+            <a:xfrm>
+              <a:off x="-1" y="2871"/>
+              <a:ext cx="15120" cy="16032"/>
+            </a:xfrm>
+            <a:prstGeom prst="rect">
+              <a:avLst/>
+            </a:prstGeom>
+          </p:spPr>
+        </p:pic>
+        <p:sp>
+          <p:nvSpPr>
+            <p:cNvPr id="6" name="Caixa de Texto 5"/>
+            <p:cNvSpPr txBox="1"/>
+            <p:nvPr/>
+          </p:nvSpPr>
+          <p:spPr>
+            <a:xfrm>
+              <a:off x="425" y="4425"/>
+              <a:ext cx="15140" cy="1404"/>
+            </a:xfrm>
+            <a:prstGeom prst="rect">
+              <a:avLst/>
+            </a:prstGeom>
+            <a:noFill/>
+          </p:spPr>
+          <p:txBody>
+            <a:bodyPr wrap="square" rtlCol="0">
+              <a:spAutoFit/>
+            </a:bodyPr>
+            <a:p>
+              <a:pPr algn="ctr"/>
+              <a:r>
+                <a:rPr lang="pt-BR" altLang="en-US" sz="5200" b="1">
+                  <a:solidFill>
+                    <a:schemeClr val="bg1"/>
+                  </a:solidFill>
+                  <a:latin typeface="Century Gothic" panose="020B0502020202020204" charset="0"/>
+                  <a:cs typeface="Century Gothic" panose="020B0502020202020204" charset="0"/>
+                </a:rPr>
+                <a:t>A</a:t>
+              </a:r>
+              <a:r>
+                <a:rPr lang="pt-BR" altLang="en-US" sz="4600" b="1">
+                  <a:solidFill>
+                    <a:schemeClr val="bg1"/>
+                  </a:solidFill>
+                  <a:latin typeface="Century Gothic" panose="020B0502020202020204" charset="0"/>
+                  <a:cs typeface="Century Gothic" panose="020B0502020202020204" charset="0"/>
+                </a:rPr>
+                <a:t>LÉM</a:t>
+              </a:r>
+              <a:r>
+                <a:rPr lang="pt-BR" altLang="en-US" sz="4800" b="1">
+                  <a:solidFill>
+                    <a:schemeClr val="bg1"/>
+                  </a:solidFill>
+                  <a:latin typeface="Century Gothic" panose="020B0502020202020204" charset="0"/>
+                  <a:cs typeface="Century Gothic" panose="020B0502020202020204" charset="0"/>
+                </a:rPr>
+                <a:t> </a:t>
+              </a:r>
+              <a:r>
+                <a:rPr lang="pt-BR" altLang="en-US" sz="4600" b="1">
+                  <a:solidFill>
+                    <a:schemeClr val="bg1"/>
+                  </a:solidFill>
+                  <a:latin typeface="Century Gothic" panose="020B0502020202020204" charset="0"/>
+                  <a:cs typeface="Century Gothic" panose="020B0502020202020204" charset="0"/>
+                </a:rPr>
+                <a:t>DO</a:t>
+              </a:r>
+              <a:r>
+                <a:rPr lang="pt-BR" altLang="en-US" sz="4800" b="1">
+                  <a:solidFill>
+                    <a:schemeClr val="bg1"/>
+                  </a:solidFill>
+                  <a:latin typeface="Century Gothic" panose="020B0502020202020204" charset="0"/>
+                  <a:cs typeface="Century Gothic" panose="020B0502020202020204" charset="0"/>
+                </a:rPr>
+                <a:t> </a:t>
+              </a:r>
+              <a:r>
+                <a:rPr lang="pt-BR" altLang="en-US" sz="5200" b="1">
+                  <a:solidFill>
+                    <a:schemeClr val="bg1"/>
+                  </a:solidFill>
+                  <a:latin typeface="Century Gothic" panose="020B0502020202020204" charset="0"/>
+                  <a:cs typeface="Century Gothic" panose="020B0502020202020204" charset="0"/>
+                </a:rPr>
+                <a:t>C</a:t>
+              </a:r>
+              <a:r>
+                <a:rPr lang="pt-BR" altLang="en-US" sz="4600" b="1">
+                  <a:solidFill>
+                    <a:schemeClr val="bg1"/>
+                  </a:solidFill>
+                  <a:latin typeface="Century Gothic" panose="020B0502020202020204" charset="0"/>
+                  <a:cs typeface="Century Gothic" panose="020B0502020202020204" charset="0"/>
+                </a:rPr>
+                <a:t>ONDADO</a:t>
+              </a:r>
+              <a:endParaRPr lang="pt-BR" altLang="en-US" sz="4600" b="1">
                 <a:solidFill>
                   <a:schemeClr val="bg1"/>
                 </a:solidFill>
                 <a:latin typeface="Century Gothic" panose="020B0502020202020204" charset="0"/>
                 <a:cs typeface="Century Gothic" panose="020B0502020202020204" charset="0"/>
-              </a:rPr>
-              <a:t>A</a:t>
-            </a:r>
-            <a:r>
-              <a:rPr lang="pt-BR" altLang="en-US" sz="4600" b="1">
-                <a:solidFill>
-                  <a:schemeClr val="bg1"/>
+              </a:endParaRPr>
+            </a:p>
+          </p:txBody>
+        </p:sp>
+        <p:sp>
+          <p:nvSpPr>
+            <p:cNvPr id="7" name="Caixa de Texto 6"/>
+            <p:cNvSpPr txBox="1"/>
+            <p:nvPr>
+              <p:custDataLst>
+                <p:tags r:id="rId2"/>
+              </p:custDataLst>
+            </p:nvPr>
+          </p:nvSpPr>
+          <p:spPr>
+            <a:xfrm>
+              <a:off x="1519" y="6023"/>
+              <a:ext cx="12082" cy="1598"/>
+            </a:xfrm>
+            <a:prstGeom prst="rect">
+              <a:avLst/>
+            </a:prstGeom>
+            <a:solidFill>
+              <a:schemeClr val="bg1"/>
+            </a:solidFill>
+          </p:spPr>
+          <p:txBody>
+            <a:bodyPr wrap="square" rtlCol="0">
+              <a:spAutoFit/>
+            </a:bodyPr>
+            <a:p>
+              <a:pPr algn="ctr"/>
+              <a:r>
+                <a:rPr lang="pt-BR" altLang="en-US" sz="2800" b="1">
+                  <a:solidFill>
+                    <a:schemeClr val="tx1"/>
+                  </a:solidFill>
+                  <a:latin typeface="Century Gothic" panose="020B0502020202020204" charset="0"/>
+                  <a:cs typeface="Century Gothic" panose="020B0502020202020204" charset="0"/>
+                </a:rPr>
+                <a:t>AVENTURAS ÉPICAS NA TERRA DA </a:t>
+              </a:r>
+              <a:endParaRPr lang="pt-BR" altLang="en-US" sz="2800" b="1">
+                <a:solidFill>
+                  <a:schemeClr val="tx1"/>
                 </a:solidFill>
                 <a:latin typeface="Century Gothic" panose="020B0502020202020204" charset="0"/>
                 <a:cs typeface="Century Gothic" panose="020B0502020202020204" charset="0"/>
-              </a:rPr>
-              <a:t>LÉM</a:t>
-            </a:r>
-            <a:r>
-              <a:rPr lang="pt-BR" altLang="en-US" sz="4800" b="1">
-                <a:solidFill>
-                  <a:schemeClr val="bg1"/>
+              </a:endParaRPr>
+            </a:p>
+            <a:p>
+              <a:pPr algn="ctr"/>
+              <a:r>
+                <a:rPr lang="pt-BR" altLang="en-US" sz="3200" b="1">
+                  <a:solidFill>
+                    <a:schemeClr val="tx1"/>
+                  </a:solidFill>
+                  <a:latin typeface="Century Gothic" panose="020B0502020202020204" charset="0"/>
+                  <a:cs typeface="Century Gothic" panose="020B0502020202020204" charset="0"/>
+                </a:rPr>
+                <a:t>INTELIGÊNCIA ARTIFICIAL GENERATIVA</a:t>
+              </a:r>
+              <a:endParaRPr lang="pt-BR" altLang="en-US" sz="3200" b="1">
+                <a:solidFill>
+                  <a:schemeClr val="tx1"/>
                 </a:solidFill>
                 <a:latin typeface="Century Gothic" panose="020B0502020202020204" charset="0"/>
                 <a:cs typeface="Century Gothic" panose="020B0502020202020204" charset="0"/>
-              </a:rPr>
-              <a:t> </a:t>
-            </a:r>
-            <a:r>
-              <a:rPr lang="pt-BR" altLang="en-US" sz="4600" b="1">
-                <a:solidFill>
-                  <a:schemeClr val="bg1"/>
-                </a:solidFill>
-                <a:latin typeface="Century Gothic" panose="020B0502020202020204" charset="0"/>
-                <a:cs typeface="Century Gothic" panose="020B0502020202020204" charset="0"/>
-              </a:rPr>
-              <a:t>DO</a:t>
-            </a:r>
-            <a:r>
-              <a:rPr lang="pt-BR" altLang="en-US" sz="4800" b="1">
-                <a:solidFill>
-                  <a:schemeClr val="bg1"/>
-                </a:solidFill>
-                <a:latin typeface="Century Gothic" panose="020B0502020202020204" charset="0"/>
-                <a:cs typeface="Century Gothic" panose="020B0502020202020204" charset="0"/>
-              </a:rPr>
-              <a:t> </a:t>
-            </a:r>
-            <a:r>
-              <a:rPr lang="pt-BR" altLang="en-US" sz="5200" b="1">
-                <a:solidFill>
-                  <a:schemeClr val="bg1"/>
-                </a:solidFill>
-                <a:latin typeface="Century Gothic" panose="020B0502020202020204" charset="0"/>
-                <a:cs typeface="Century Gothic" panose="020B0502020202020204" charset="0"/>
-              </a:rPr>
-              <a:t>C</a:t>
-            </a:r>
-            <a:r>
-              <a:rPr lang="pt-BR" altLang="en-US" sz="4600" b="1">
-                <a:solidFill>
-                  <a:schemeClr val="bg1"/>
-                </a:solidFill>
-                <a:latin typeface="Century Gothic" panose="020B0502020202020204" charset="0"/>
-                <a:cs typeface="Century Gothic" panose="020B0502020202020204" charset="0"/>
-              </a:rPr>
-              <a:t>ONDADO</a:t>
-            </a:r>
-            <a:endParaRPr lang="pt-BR" altLang="en-US" sz="4600" b="1">
-              <a:solidFill>
-                <a:schemeClr val="bg1"/>
-              </a:solidFill>
-              <a:latin typeface="Century Gothic" panose="020B0502020202020204" charset="0"/>
-              <a:cs typeface="Century Gothic" panose="020B0502020202020204" charset="0"/>
-            </a:endParaRPr>
-          </a:p>
-        </p:txBody>
-      </p:sp>
-      <p:sp>
-        <p:nvSpPr>
-          <p:cNvPr id="7" name="Caixa de Texto 6"/>
-          <p:cNvSpPr txBox="1"/>
-          <p:nvPr>
-            <p:custDataLst>
-              <p:tags r:id="rId2"/>
-            </p:custDataLst>
-          </p:nvPr>
-        </p:nvSpPr>
-        <p:spPr>
-          <a:xfrm>
-            <a:off x="0" y="977900"/>
-            <a:ext cx="9613900" cy="1014730"/>
-          </a:xfrm>
-          <a:prstGeom prst="rect">
-            <a:avLst/>
-          </a:prstGeom>
-          <a:solidFill>
-            <a:schemeClr val="bg1"/>
-          </a:solidFill>
-        </p:spPr>
-        <p:txBody>
-          <a:bodyPr wrap="square" rtlCol="0">
-            <a:spAutoFit/>
-          </a:bodyPr>
-          <a:p>
-            <a:pPr algn="ctr"/>
-            <a:r>
-              <a:rPr lang="pt-BR" altLang="en-US" sz="2800" b="1">
-                <a:solidFill>
-                  <a:schemeClr val="tx1"/>
-                </a:solidFill>
-                <a:latin typeface="Century Gothic" panose="020B0502020202020204" charset="0"/>
-                <a:cs typeface="Century Gothic" panose="020B0502020202020204" charset="0"/>
-              </a:rPr>
-              <a:t>AVENTURAS ÉPICAS NA TERRA DA </a:t>
-            </a:r>
-            <a:endParaRPr lang="pt-BR" altLang="en-US" sz="2800" b="1">
-              <a:solidFill>
-                <a:schemeClr val="tx1"/>
-              </a:solidFill>
-              <a:latin typeface="Century Gothic" panose="020B0502020202020204" charset="0"/>
-              <a:cs typeface="Century Gothic" panose="020B0502020202020204" charset="0"/>
-            </a:endParaRPr>
-          </a:p>
-          <a:p>
-            <a:pPr algn="ctr"/>
-            <a:r>
-              <a:rPr lang="pt-BR" altLang="en-US" sz="3200" b="1">
-                <a:solidFill>
-                  <a:schemeClr val="tx1"/>
-                </a:solidFill>
-                <a:latin typeface="Century Gothic" panose="020B0502020202020204" charset="0"/>
-                <a:cs typeface="Century Gothic" panose="020B0502020202020204" charset="0"/>
-              </a:rPr>
-              <a:t>INTELIGÊNCIA ARTIFICIAL GENERATIVA</a:t>
-            </a:r>
-            <a:endParaRPr lang="pt-BR" altLang="en-US" sz="3200" b="1">
-              <a:solidFill>
-                <a:schemeClr val="tx1"/>
-              </a:solidFill>
-              <a:latin typeface="Century Gothic" panose="020B0502020202020204" charset="0"/>
-              <a:cs typeface="Century Gothic" panose="020B0502020202020204" charset="0"/>
-            </a:endParaRPr>
-          </a:p>
-        </p:txBody>
-      </p:sp>
-      <p:sp>
-        <p:nvSpPr>
-          <p:cNvPr id="8" name="Caixa de Texto 7"/>
-          <p:cNvSpPr txBox="1"/>
-          <p:nvPr>
-            <p:custDataLst>
-              <p:tags r:id="rId3"/>
-            </p:custDataLst>
-          </p:nvPr>
-        </p:nvSpPr>
-        <p:spPr>
-          <a:xfrm>
-            <a:off x="3091180" y="12158980"/>
-            <a:ext cx="3418205" cy="521970"/>
-          </a:xfrm>
-          <a:prstGeom prst="rect">
-            <a:avLst/>
-          </a:prstGeom>
-          <a:solidFill>
-            <a:schemeClr val="bg1"/>
-          </a:solidFill>
-        </p:spPr>
-        <p:txBody>
-          <a:bodyPr wrap="square" rtlCol="0">
-            <a:spAutoFit/>
-          </a:bodyPr>
-          <a:p>
-            <a:pPr algn="ctr"/>
-            <a:r>
-              <a:rPr lang="pt-BR" altLang="en-US" sz="2800" b="1">
-                <a:solidFill>
-                  <a:schemeClr val="tx1"/>
-                </a:solidFill>
-                <a:latin typeface="Century Gothic" panose="020B0502020202020204" charset="0"/>
-                <a:cs typeface="Century Gothic" panose="020B0502020202020204" charset="0"/>
-              </a:rPr>
-              <a:t>POLYANA AMARAL</a:t>
-            </a:r>
-            <a:endParaRPr lang="pt-BR" altLang="en-US" sz="2800" b="1">
-              <a:solidFill>
-                <a:schemeClr val="tx1"/>
-              </a:solidFill>
-              <a:latin typeface="Century Gothic" panose="020B0502020202020204" charset="0"/>
-              <a:cs typeface="Century Gothic" panose="020B0502020202020204" charset="0"/>
-            </a:endParaRPr>
-          </a:p>
-        </p:txBody>
-      </p:sp>
+              </a:endParaRPr>
+            </a:p>
+          </p:txBody>
+        </p:sp>
+      </p:grpSp>
     </p:spTree>
   </p:cSld>
   <p:clrMapOvr>
@@ -6785,6 +6753,345 @@
 </file>
 
 <file path=ppt/slides/slide10.xml><?xml version="1.0" encoding="utf-8"?>
+<p:sld xmlns:a="http://schemas.openxmlformats.org/drawingml/2006/main" xmlns:r="http://schemas.openxmlformats.org/officeDocument/2006/relationships" xmlns:p="http://schemas.openxmlformats.org/presentationml/2006/main">
+  <p:cSld>
+    <p:spTree>
+      <p:nvGrpSpPr>
+        <p:cNvPr id="1" name=""/>
+        <p:cNvGrpSpPr/>
+        <p:nvPr/>
+      </p:nvGrpSpPr>
+      <p:grpSpPr/>
+      <p:sp>
+        <p:nvSpPr>
+          <p:cNvPr id="2" name="Caixa de Texto 1"/>
+          <p:cNvSpPr txBox="1"/>
+          <p:nvPr/>
+        </p:nvSpPr>
+        <p:spPr>
+          <a:xfrm>
+            <a:off x="1876425" y="1315720"/>
+            <a:ext cx="6537325" cy="6256655"/>
+          </a:xfrm>
+          <a:prstGeom prst="rect">
+            <a:avLst/>
+          </a:prstGeom>
+          <a:noFill/>
+        </p:spPr>
+        <p:txBody>
+          <a:bodyPr wrap="square" rtlCol="0">
+            <a:noAutofit/>
+          </a:bodyPr>
+          <a:p>
+            <a:r>
+              <a:rPr lang="pt-BR" altLang="en-US" sz="41300" b="1">
+                <a:ln w="76200">
+                  <a:solidFill>
+                    <a:srgbClr val="A976A6"/>
+                  </a:solidFill>
+                </a:ln>
+                <a:noFill/>
+                <a:effectLst>
+                  <a:outerShdw blurRad="38100" dist="38100" dir="2700000" algn="tl">
+                    <a:srgbClr val="000000">
+                      <a:alpha val="43137"/>
+                    </a:srgbClr>
+                  </a:outerShdw>
+                </a:effectLst>
+                <a:latin typeface="Century Gothic" panose="020B0502020202020204" charset="0"/>
+                <a:cs typeface="Century Gothic" panose="020B0502020202020204" charset="0"/>
+              </a:rPr>
+              <a:t>04</a:t>
+            </a:r>
+            <a:endParaRPr lang="pt-BR" altLang="en-US" sz="41300" b="1">
+              <a:ln w="76200">
+                <a:solidFill>
+                  <a:srgbClr val="A976A6"/>
+                </a:solidFill>
+              </a:ln>
+              <a:noFill/>
+              <a:effectLst>
+                <a:outerShdw blurRad="38100" dist="38100" dir="2700000" algn="tl">
+                  <a:srgbClr val="000000">
+                    <a:alpha val="43137"/>
+                  </a:srgbClr>
+                </a:outerShdw>
+              </a:effectLst>
+              <a:latin typeface="Century Gothic" panose="020B0502020202020204" charset="0"/>
+              <a:cs typeface="Century Gothic" panose="020B0502020202020204" charset="0"/>
+            </a:endParaRPr>
+          </a:p>
+        </p:txBody>
+      </p:sp>
+      <p:sp>
+        <p:nvSpPr>
+          <p:cNvPr id="6" name="Caixa de Texto 5"/>
+          <p:cNvSpPr txBox="1"/>
+          <p:nvPr>
+            <p:custDataLst>
+              <p:tags r:id="rId1"/>
+            </p:custDataLst>
+          </p:nvPr>
+        </p:nvSpPr>
+        <p:spPr>
+          <a:xfrm>
+            <a:off x="-476885" y="7689850"/>
+            <a:ext cx="9601200" cy="1477010"/>
+          </a:xfrm>
+          <a:prstGeom prst="rect">
+            <a:avLst/>
+          </a:prstGeom>
+          <a:noFill/>
+        </p:spPr>
+        <p:txBody>
+          <a:bodyPr wrap="square" lIns="0" tIns="0" rIns="0" bIns="0" rtlCol="0" anchor="ctr" anchorCtr="0">
+            <a:spAutoFit/>
+          </a:bodyPr>
+          <a:p>
+            <a:pPr marL="457200" lvl="1" indent="457200" algn="ctr"/>
+            <a:r>
+              <a:rPr lang="pt-BR" altLang="en-US" sz="4800" b="1">
+                <a:solidFill>
+                  <a:schemeClr val="bg1"/>
+                </a:solidFill>
+                <a:latin typeface="Century Gothic" panose="020B0502020202020204" charset="0"/>
+                <a:cs typeface="Century Gothic" panose="020B0502020202020204" charset="0"/>
+              </a:rPr>
+              <a:t>APLICAÇÕES DA </a:t>
+            </a:r>
+            <a:endParaRPr lang="pt-BR" altLang="en-US" sz="4800" b="1">
+              <a:solidFill>
+                <a:schemeClr val="bg1"/>
+              </a:solidFill>
+              <a:latin typeface="Century Gothic" panose="020B0502020202020204" charset="0"/>
+              <a:cs typeface="Century Gothic" panose="020B0502020202020204" charset="0"/>
+            </a:endParaRPr>
+          </a:p>
+          <a:p>
+            <a:pPr marL="457200" lvl="1" indent="457200" algn="ctr"/>
+            <a:r>
+              <a:rPr lang="pt-BR" altLang="en-US" sz="4800" b="1">
+                <a:solidFill>
+                  <a:schemeClr val="bg1"/>
+                </a:solidFill>
+                <a:latin typeface="Century Gothic" panose="020B0502020202020204" charset="0"/>
+                <a:cs typeface="Century Gothic" panose="020B0502020202020204" charset="0"/>
+              </a:rPr>
+              <a:t>IA GENERATIVA</a:t>
+            </a:r>
+            <a:endParaRPr lang="pt-BR" altLang="en-US" sz="4800" b="1">
+              <a:solidFill>
+                <a:schemeClr val="bg1"/>
+              </a:solidFill>
+              <a:latin typeface="Century Gothic" panose="020B0502020202020204" charset="0"/>
+              <a:cs typeface="Century Gothic" panose="020B0502020202020204" charset="0"/>
+            </a:endParaRPr>
+          </a:p>
+        </p:txBody>
+      </p:sp>
+      <p:cxnSp>
+        <p:nvCxnSpPr>
+          <p:cNvPr id="3" name="Conector Reto 2"/>
+          <p:cNvCxnSpPr/>
+          <p:nvPr>
+            <p:custDataLst>
+              <p:tags r:id="rId2"/>
+            </p:custDataLst>
+          </p:nvPr>
+        </p:nvCxnSpPr>
+        <p:spPr>
+          <a:xfrm flipH="1">
+            <a:off x="590550" y="9582150"/>
+            <a:ext cx="8667115" cy="41910"/>
+          </a:xfrm>
+          <a:prstGeom prst="line">
+            <a:avLst/>
+          </a:prstGeom>
+          <a:ln w="203200">
+            <a:gradFill>
+              <a:gsLst>
+                <a:gs pos="58000">
+                  <a:srgbClr val="A976A6"/>
+                </a:gs>
+                <a:gs pos="97000">
+                  <a:schemeClr val="accent1">
+                    <a:lumMod val="45000"/>
+                    <a:lumOff val="55000"/>
+                  </a:schemeClr>
+                </a:gs>
+                <a:gs pos="100000">
+                  <a:srgbClr val="A976A6"/>
+                </a:gs>
+                <a:gs pos="100000">
+                  <a:schemeClr val="accent1">
+                    <a:lumMod val="30000"/>
+                    <a:lumOff val="70000"/>
+                  </a:schemeClr>
+                </a:gs>
+              </a:gsLst>
+              <a:lin ang="10800000" scaled="0"/>
+            </a:gradFill>
+          </a:ln>
+          <a:effectLst/>
+        </p:spPr>
+        <p:style>
+          <a:lnRef idx="2">
+            <a:schemeClr val="accent1"/>
+          </a:lnRef>
+          <a:fillRef idx="0">
+            <a:srgbClr val="FFFFFF"/>
+          </a:fillRef>
+          <a:effectRef idx="0">
+            <a:srgbClr val="FFFFFF"/>
+          </a:effectRef>
+          <a:fontRef idx="minor">
+            <a:schemeClr val="tx1"/>
+          </a:fontRef>
+        </p:style>
+      </p:cxnSp>
+      <p:sp>
+        <p:nvSpPr>
+          <p:cNvPr id="4" name="Caixa de Texto 3"/>
+          <p:cNvSpPr txBox="1"/>
+          <p:nvPr>
+            <p:custDataLst>
+              <p:tags r:id="rId3"/>
+            </p:custDataLst>
+          </p:nvPr>
+        </p:nvSpPr>
+        <p:spPr>
+          <a:xfrm>
+            <a:off x="-501650" y="7636510"/>
+            <a:ext cx="9601200" cy="1568450"/>
+          </a:xfrm>
+          <a:prstGeom prst="rect">
+            <a:avLst/>
+          </a:prstGeom>
+          <a:noFill/>
+        </p:spPr>
+        <p:txBody>
+          <a:bodyPr wrap="square" rtlCol="0" anchor="ctr" anchorCtr="0">
+            <a:spAutoFit/>
+          </a:bodyPr>
+          <a:p>
+            <a:pPr marL="457200" lvl="1" indent="457200" algn="ctr"/>
+            <a:r>
+              <a:rPr lang="pt-BR" altLang="en-US" sz="4800" b="1">
+                <a:ln>
+                  <a:solidFill>
+                    <a:schemeClr val="bg1"/>
+                  </a:solidFill>
+                </a:ln>
+                <a:noFill/>
+                <a:latin typeface="Century Gothic" panose="020B0502020202020204" charset="0"/>
+                <a:cs typeface="Century Gothic" panose="020B0502020202020204" charset="0"/>
+              </a:rPr>
+              <a:t>APLICAÇÕES DA </a:t>
+            </a:r>
+            <a:endParaRPr lang="pt-BR" altLang="en-US" sz="4800" b="1">
+              <a:ln>
+                <a:solidFill>
+                  <a:schemeClr val="bg1"/>
+                </a:solidFill>
+              </a:ln>
+              <a:noFill/>
+              <a:latin typeface="Century Gothic" panose="020B0502020202020204" charset="0"/>
+              <a:cs typeface="Century Gothic" panose="020B0502020202020204" charset="0"/>
+            </a:endParaRPr>
+          </a:p>
+          <a:p>
+            <a:pPr marL="457200" lvl="1" indent="457200" algn="ctr"/>
+            <a:r>
+              <a:rPr lang="pt-BR" altLang="en-US" sz="4800" b="1">
+                <a:ln>
+                  <a:solidFill>
+                    <a:schemeClr val="bg1"/>
+                  </a:solidFill>
+                </a:ln>
+                <a:noFill/>
+                <a:latin typeface="Century Gothic" panose="020B0502020202020204" charset="0"/>
+                <a:cs typeface="Century Gothic" panose="020B0502020202020204" charset="0"/>
+              </a:rPr>
+              <a:t>IA GENERATIVA</a:t>
+            </a:r>
+            <a:endParaRPr lang="pt-BR" altLang="en-US" sz="4800" b="1">
+              <a:ln>
+                <a:solidFill>
+                  <a:schemeClr val="bg1"/>
+                </a:solidFill>
+              </a:ln>
+              <a:noFill/>
+              <a:latin typeface="Century Gothic" panose="020B0502020202020204" charset="0"/>
+              <a:cs typeface="Century Gothic" panose="020B0502020202020204" charset="0"/>
+            </a:endParaRPr>
+          </a:p>
+        </p:txBody>
+      </p:sp>
+      <p:sp>
+        <p:nvSpPr>
+          <p:cNvPr id="9" name="Espaço Reservado para Número de Slide 8"/>
+          <p:cNvSpPr>
+            <a:spLocks noGrp="1"/>
+          </p:cNvSpPr>
+          <p:nvPr>
+            <p:ph type="sldNum" sz="quarter" idx="12"/>
+          </p:nvPr>
+        </p:nvSpPr>
+        <p:spPr>
+          <a:xfrm>
+            <a:off x="6780848" y="12121093"/>
+            <a:ext cx="2160270" cy="681567"/>
+          </a:xfrm>
+        </p:spPr>
+        <p:txBody>
+          <a:bodyPr/>
+          <a:p>
+            <a:fld id="{49AE70B2-8BF9-45C0-BB95-33D1B9D3A854}" type="slidenum">
+              <a:rPr lang="en-US" smtClean="0"/>
+            </a:fld>
+            <a:endParaRPr lang="en-US"/>
+          </a:p>
+        </p:txBody>
+      </p:sp>
+      <p:sp>
+        <p:nvSpPr>
+          <p:cNvPr id="11" name="Espaço Reservado para Rodapé 10"/>
+          <p:cNvSpPr>
+            <a:spLocks noGrp="1"/>
+          </p:cNvSpPr>
+          <p:nvPr>
+            <p:ph type="ftr" sz="quarter" idx="11"/>
+            <p:custDataLst>
+              <p:tags r:id="rId4"/>
+            </p:custDataLst>
+          </p:nvPr>
+        </p:nvSpPr>
+        <p:spPr>
+          <a:xfrm>
+            <a:off x="1390015" y="12120880"/>
+            <a:ext cx="6383655" cy="681355"/>
+          </a:xfrm>
+        </p:spPr>
+        <p:txBody>
+          <a:bodyPr/>
+          <a:p>
+            <a:r>
+              <a:rPr lang="en-US"/>
+              <a:t>ALÉM DO CONDADO: AVENTURAS ÉPICAS NA TERRA DA IA GENERATIVA - POLYANA AMARAL</a:t>
+            </a:r>
+            <a:endParaRPr lang="en-US"/>
+          </a:p>
+        </p:txBody>
+      </p:sp>
+    </p:spTree>
+  </p:cSld>
+  <p:clrMapOvr>
+    <a:masterClrMapping/>
+  </p:clrMapOvr>
+</p:sld>
+</file>
+
+<file path=ppt/slides/slide11.xml><?xml version="1.0" encoding="utf-8"?>
 <p:sld xmlns:a="http://schemas.openxmlformats.org/drawingml/2006/main" xmlns:r="http://schemas.openxmlformats.org/officeDocument/2006/relationships" xmlns:p="http://schemas.openxmlformats.org/presentationml/2006/main">
   <p:cSld>
     <p:bg>
@@ -7217,7 +7524,7 @@
 </p:sld>
 </file>
 
-<file path=ppt/slides/slide11.xml><?xml version="1.0" encoding="utf-8"?>
+<file path=ppt/slides/slide12.xml><?xml version="1.0" encoding="utf-8"?>
 <p:sld xmlns:a="http://schemas.openxmlformats.org/drawingml/2006/main" xmlns:r="http://schemas.openxmlformats.org/officeDocument/2006/relationships" xmlns:p="http://schemas.openxmlformats.org/presentationml/2006/main">
   <p:cSld>
     <p:spTree>
@@ -7510,7 +7817,7 @@
 </p:sld>
 </file>
 
-<file path=ppt/slides/slide12.xml><?xml version="1.0" encoding="utf-8"?>
+<file path=ppt/slides/slide13.xml><?xml version="1.0" encoding="utf-8"?>
 <p:sld xmlns:a="http://schemas.openxmlformats.org/drawingml/2006/main" xmlns:r="http://schemas.openxmlformats.org/officeDocument/2006/relationships" xmlns:p="http://schemas.openxmlformats.org/presentationml/2006/main">
   <p:cSld>
     <p:bg>
@@ -7824,7 +8131,7 @@
 </p:sld>
 </file>
 
-<file path=ppt/slides/slide13.xml><?xml version="1.0" encoding="utf-8"?>
+<file path=ppt/slides/slide14.xml><?xml version="1.0" encoding="utf-8"?>
 <p:sld xmlns:a="http://schemas.openxmlformats.org/drawingml/2006/main" xmlns:r="http://schemas.openxmlformats.org/officeDocument/2006/relationships" xmlns:p="http://schemas.openxmlformats.org/presentationml/2006/main">
   <p:cSld>
     <p:spTree>
@@ -8056,7 +8363,7 @@
 </p:sld>
 </file>
 
-<file path=ppt/slides/slide14.xml><?xml version="1.0" encoding="utf-8"?>
+<file path=ppt/slides/slide15.xml><?xml version="1.0" encoding="utf-8"?>
 <p:sld xmlns:a="http://schemas.openxmlformats.org/drawingml/2006/main" xmlns:r="http://schemas.openxmlformats.org/officeDocument/2006/relationships" xmlns:p="http://schemas.openxmlformats.org/presentationml/2006/main">
   <p:cSld>
     <p:bg>
@@ -8187,7 +8494,7 @@
         <p:spPr>
           <a:xfrm>
             <a:off x="178435" y="1771015"/>
-            <a:ext cx="8743950" cy="6369685"/>
+            <a:ext cx="8743950" cy="6000750"/>
           </a:xfrm>
           <a:prstGeom prst="rect">
             <a:avLst/>
@@ -8263,6 +8570,15 @@
           </a:p>
           <a:p>
             <a:pPr marL="457200" lvl="1" indent="457200" algn="just"/>
+            <a:r>
+              <a:rPr lang="pt-BR" altLang="en-US" sz="2400">
+                <a:solidFill>
+                  <a:schemeClr val="tx1"/>
+                </a:solidFill>
+                <a:cs typeface="+mn-lt"/>
+              </a:rPr>
+              <a:t>Este conteúdo foi gerado com fins didáticos de construção, não foi realizada uma validação cuidadosa humana no conteúdo e pode conter erros gerados por uma IA.</a:t>
+            </a:r>
             <a:endParaRPr lang="pt-BR" altLang="en-US" sz="2400">
               <a:solidFill>
                 <a:schemeClr val="tx1"/>
@@ -8270,24 +8586,6 @@
               <a:cs typeface="+mn-lt"/>
             </a:endParaRPr>
           </a:p>
-          <a:p>
-            <a:pPr marL="457200" lvl="1" indent="457200" algn="just"/>
-            <a:r>
-              <a:rPr lang="pt-BR" altLang="en-US" sz="2400">
-                <a:solidFill>
-                  <a:schemeClr val="tx1"/>
-                </a:solidFill>
-                <a:cs typeface="+mn-lt"/>
-              </a:rPr>
-              <a:t>Este conteúdo foi gerado com fins didáticos de construção, não foi realizada uma validação cuidadosa humana no conteúdo e pode conter erros gerados por uma IA.</a:t>
-            </a:r>
-            <a:endParaRPr lang="pt-BR" altLang="en-US" sz="2400">
-              <a:solidFill>
-                <a:schemeClr val="tx1"/>
-              </a:solidFill>
-              <a:cs typeface="+mn-lt"/>
-            </a:endParaRPr>
-          </a:p>
         </p:txBody>
       </p:sp>
       <p:sp>
@@ -8346,14 +8644,14 @@
       <p:sp>
         <p:nvSpPr>
           <p:cNvPr id="10" name="Caixa de Texto 9">
-            <a:hlinkClick r:id="rId3" tooltip="" action="ppaction://hlinkfile"/>
+            <a:hlinkClick r:id="rId3" action="ppaction://hlinkfile"/>
           </p:cNvPr>
           <p:cNvSpPr txBox="1"/>
           <p:nvPr/>
         </p:nvSpPr>
         <p:spPr>
           <a:xfrm>
-            <a:off x="2131060" y="10678160"/>
+            <a:off x="2131060" y="9771380"/>
             <a:ext cx="4800600" cy="363220"/>
           </a:xfrm>
           <a:prstGeom prst="rect">
@@ -8369,7 +8667,7 @@
             <a:pPr algn="ctr"/>
             <a:r>
               <a:rPr lang="pt-BR" altLang="en-US" sz="1600">
-                <a:hlinkClick r:id="rId3" tooltip="" action="ppaction://hlinkfile">
+                <a:hlinkClick r:id="rId3" action="ppaction://hlinkfile">
                   <a:extLst>
                     <a:ext uri="{DAF060AB-1E55-43B9-8AAB-6FB025537F2F}">
                       <wpsdc:hlinkClr xmlns:wpsdc="http://www.wps.cn/officeDocument/2017/drawingmlCustomData" val="A976A6"/>
@@ -8382,7 +8680,7 @@
               <a:t>https://github.com/polyanaamaral</a:t>
             </a:r>
             <a:endParaRPr lang="pt-BR" altLang="en-US" sz="1600">
-              <a:hlinkClick r:id="rId3" tooltip="" action="ppaction://hlinkfile">
+              <a:hlinkClick r:id="rId3" action="ppaction://hlinkfile">
                 <a:extLst>
                   <a:ext uri="{DAF060AB-1E55-43B9-8AAB-6FB025537F2F}">
                     <wpsdc:hlinkClr xmlns:wpsdc="http://www.wps.cn/officeDocument/2017/drawingmlCustomData" val="A976A6"/>
@@ -8424,7 +8722,7 @@
         </p:blipFill>
         <p:spPr>
           <a:xfrm>
-            <a:off x="3876040" y="8896350"/>
+            <a:off x="3876040" y="7989570"/>
             <a:ext cx="1524635" cy="1562100"/>
           </a:xfrm>
           <a:prstGeom prst="rect">
@@ -8445,7 +8743,7 @@
         </p:blipFill>
         <p:spPr>
           <a:xfrm>
-            <a:off x="5168265" y="5467668"/>
+            <a:off x="5168265" y="5253673"/>
             <a:ext cx="2658462" cy="720000"/>
           </a:xfrm>
           <a:prstGeom prst="rect">
@@ -8466,7 +8764,7 @@
         </p:blipFill>
         <p:spPr>
           <a:xfrm>
-            <a:off x="1162050" y="4943793"/>
+            <a:off x="1162050" y="4730433"/>
             <a:ext cx="3200000" cy="1800000"/>
           </a:xfrm>
           <a:prstGeom prst="rect">
@@ -8474,6 +8772,122 @@
           </a:prstGeom>
         </p:spPr>
       </p:pic>
+      <p:sp>
+        <p:nvSpPr>
+          <p:cNvPr id="4" name="Caixa de Texto 3"/>
+          <p:cNvSpPr txBox="1"/>
+          <p:nvPr>
+            <p:custDataLst>
+              <p:tags r:id="rId8"/>
+            </p:custDataLst>
+          </p:nvPr>
+        </p:nvSpPr>
+        <p:spPr>
+          <a:xfrm>
+            <a:off x="227330" y="11010900"/>
+            <a:ext cx="8714105" cy="811530"/>
+          </a:xfrm>
+          <a:prstGeom prst="rect">
+            <a:avLst/>
+          </a:prstGeom>
+          <a:noFill/>
+        </p:spPr>
+        <p:txBody>
+          <a:bodyPr wrap="square" rtlCol="0">
+            <a:noAutofit/>
+          </a:bodyPr>
+          <a:p>
+            <a:pPr marL="457200" lvl="1" indent="457200" algn="just"/>
+            <a:r>
+              <a:rPr lang="en-US" altLang="pt-BR">
+                <a:solidFill>
+                  <a:schemeClr val="tx1"/>
+                </a:solidFill>
+                <a:cs typeface="+mn-lt"/>
+              </a:rPr>
+              <a:t> AL</a:t>
+            </a:r>
+            <a:r>
+              <a:rPr lang="en-US" altLang="en-US">
+                <a:solidFill>
+                  <a:schemeClr val="tx1"/>
+                </a:solidFill>
+                <a:cs typeface="+mn-lt"/>
+              </a:rPr>
+              <a:t>É</a:t>
+            </a:r>
+            <a:r>
+              <a:rPr lang="en-US" altLang="pt-BR">
+                <a:solidFill>
+                  <a:schemeClr val="tx1"/>
+                </a:solidFill>
+                <a:cs typeface="+mn-lt"/>
+              </a:rPr>
+              <a:t>M DO CONDADO - AVENTURAS </a:t>
+            </a:r>
+            <a:r>
+              <a:rPr lang="en-US" altLang="en-US">
+                <a:solidFill>
+                  <a:schemeClr val="tx1"/>
+                </a:solidFill>
+                <a:cs typeface="+mn-lt"/>
+              </a:rPr>
+              <a:t>É</a:t>
+            </a:r>
+            <a:r>
+              <a:rPr lang="en-US" altLang="pt-BR">
+                <a:solidFill>
+                  <a:schemeClr val="tx1"/>
+                </a:solidFill>
+                <a:cs typeface="+mn-lt"/>
+              </a:rPr>
+              <a:t>PICAS NA TERRA DA INTELIG</a:t>
+            </a:r>
+            <a:r>
+              <a:rPr lang="en-US" altLang="en-US">
+                <a:solidFill>
+                  <a:schemeClr val="tx1"/>
+                </a:solidFill>
+                <a:cs typeface="+mn-lt"/>
+              </a:rPr>
+              <a:t>Ê</a:t>
+            </a:r>
+            <a:r>
+              <a:rPr lang="en-US" altLang="pt-BR">
+                <a:solidFill>
+                  <a:schemeClr val="tx1"/>
+                </a:solidFill>
+                <a:cs typeface="+mn-lt"/>
+              </a:rPr>
+              <a:t>NCIA ARTIFICIAL GENERATIVA </a:t>
+            </a:r>
+            <a:r>
+              <a:rPr lang="en-US" altLang="en-US">
+                <a:solidFill>
+                  <a:schemeClr val="tx1"/>
+                </a:solidFill>
+                <a:cs typeface="+mn-lt"/>
+              </a:rPr>
+              <a:t>©</a:t>
+            </a:r>
+            <a:r>
+              <a:rPr lang="en-US" altLang="pt-BR">
+                <a:solidFill>
+                  <a:schemeClr val="tx1"/>
+                </a:solidFill>
+                <a:cs typeface="+mn-lt"/>
+              </a:rPr>
+              <a:t> 2024 by Polyana Amaral is licensed under CC BY-NC 4.0 </a:t>
+            </a:r>
+            <a:endParaRPr lang="en-US" altLang="pt-BR">
+              <a:solidFill>
+                <a:schemeClr val="tx1"/>
+              </a:solidFill>
+              <a:cs typeface="+mn-lt"/>
+            </a:endParaRPr>
+          </a:p>
+        </p:txBody>
+      </p:sp>
     </p:spTree>
   </p:cSld>
   <p:clrMapOvr>
@@ -8483,6 +8897,274 @@
 </file>
 
 <file path=ppt/slides/slide2.xml><?xml version="1.0" encoding="utf-8"?>
+<p:sld xmlns:a="http://schemas.openxmlformats.org/drawingml/2006/main" xmlns:r="http://schemas.openxmlformats.org/officeDocument/2006/relationships" xmlns:p="http://schemas.openxmlformats.org/presentationml/2006/main">
+  <p:cSld>
+    <p:spTree>
+      <p:nvGrpSpPr>
+        <p:cNvPr id="1" name=""/>
+        <p:cNvGrpSpPr/>
+        <p:nvPr/>
+      </p:nvGrpSpPr>
+      <p:grpSpPr>
+        <a:xfrm>
+          <a:off x="0" y="0"/>
+          <a:ext cx="0" cy="0"/>
+          <a:chOff x="0" y="0"/>
+          <a:chExt cx="0" cy="0"/>
+        </a:xfrm>
+      </p:grpSpPr>
+      <p:pic>
+        <p:nvPicPr>
+          <p:cNvPr id="3" name="Imagem 2" descr="_cb2de3a6-c727-440f-9a44-772b81665169"/>
+          <p:cNvPicPr>
+            <a:picLocks noChangeAspect="1"/>
+          </p:cNvPicPr>
+          <p:nvPr/>
+        </p:nvPicPr>
+        <p:blipFill>
+          <a:blip r:embed="rId1"/>
+          <a:srcRect l="17989" t="20317" r="13915"/>
+          <a:stretch>
+            <a:fillRect/>
+          </a:stretch>
+        </p:blipFill>
+        <p:spPr>
+          <a:xfrm>
+            <a:off x="-635" y="1280795"/>
+            <a:ext cx="9601200" cy="11235055"/>
+          </a:xfrm>
+          <a:prstGeom prst="rect">
+            <a:avLst/>
+          </a:prstGeom>
+        </p:spPr>
+      </p:pic>
+      <p:sp>
+        <p:nvSpPr>
+          <p:cNvPr id="6" name="Caixa de Texto 5"/>
+          <p:cNvSpPr txBox="1"/>
+          <p:nvPr/>
+        </p:nvSpPr>
+        <p:spPr>
+          <a:xfrm>
+            <a:off x="-12700" y="76200"/>
+            <a:ext cx="9613900" cy="891540"/>
+          </a:xfrm>
+          <a:prstGeom prst="rect">
+            <a:avLst/>
+          </a:prstGeom>
+          <a:noFill/>
+        </p:spPr>
+        <p:txBody>
+          <a:bodyPr wrap="square" rtlCol="0">
+            <a:spAutoFit/>
+          </a:bodyPr>
+          <a:p>
+            <a:pPr algn="ctr"/>
+            <a:r>
+              <a:rPr lang="pt-BR" altLang="en-US" sz="5200" b="1">
+                <a:solidFill>
+                  <a:schemeClr val="bg1"/>
+                </a:solidFill>
+                <a:latin typeface="Century Gothic" panose="020B0502020202020204" charset="0"/>
+                <a:cs typeface="Century Gothic" panose="020B0502020202020204" charset="0"/>
+              </a:rPr>
+              <a:t>A</a:t>
+            </a:r>
+            <a:r>
+              <a:rPr lang="pt-BR" altLang="en-US" sz="4600" b="1">
+                <a:solidFill>
+                  <a:schemeClr val="bg1"/>
+                </a:solidFill>
+                <a:latin typeface="Century Gothic" panose="020B0502020202020204" charset="0"/>
+                <a:cs typeface="Century Gothic" panose="020B0502020202020204" charset="0"/>
+              </a:rPr>
+              <a:t>LÉM</a:t>
+            </a:r>
+            <a:r>
+              <a:rPr lang="pt-BR" altLang="en-US" sz="4800" b="1">
+                <a:solidFill>
+                  <a:schemeClr val="bg1"/>
+                </a:solidFill>
+                <a:latin typeface="Century Gothic" panose="020B0502020202020204" charset="0"/>
+                <a:cs typeface="Century Gothic" panose="020B0502020202020204" charset="0"/>
+              </a:rPr>
+              <a:t> </a:t>
+            </a:r>
+            <a:r>
+              <a:rPr lang="pt-BR" altLang="en-US" sz="4600" b="1">
+                <a:solidFill>
+                  <a:schemeClr val="bg1"/>
+                </a:solidFill>
+                <a:latin typeface="Century Gothic" panose="020B0502020202020204" charset="0"/>
+                <a:cs typeface="Century Gothic" panose="020B0502020202020204" charset="0"/>
+              </a:rPr>
+              <a:t>DO</a:t>
+            </a:r>
+            <a:r>
+              <a:rPr lang="pt-BR" altLang="en-US" sz="4800" b="1">
+                <a:solidFill>
+                  <a:schemeClr val="bg1"/>
+                </a:solidFill>
+                <a:latin typeface="Century Gothic" panose="020B0502020202020204" charset="0"/>
+                <a:cs typeface="Century Gothic" panose="020B0502020202020204" charset="0"/>
+              </a:rPr>
+              <a:t> </a:t>
+            </a:r>
+            <a:r>
+              <a:rPr lang="pt-BR" altLang="en-US" sz="5200" b="1">
+                <a:solidFill>
+                  <a:schemeClr val="bg1"/>
+                </a:solidFill>
+                <a:latin typeface="Century Gothic" panose="020B0502020202020204" charset="0"/>
+                <a:cs typeface="Century Gothic" panose="020B0502020202020204" charset="0"/>
+              </a:rPr>
+              <a:t>C</a:t>
+            </a:r>
+            <a:r>
+              <a:rPr lang="pt-BR" altLang="en-US" sz="4600" b="1">
+                <a:solidFill>
+                  <a:schemeClr val="bg1"/>
+                </a:solidFill>
+                <a:latin typeface="Century Gothic" panose="020B0502020202020204" charset="0"/>
+                <a:cs typeface="Century Gothic" panose="020B0502020202020204" charset="0"/>
+              </a:rPr>
+              <a:t>ONDADO</a:t>
+            </a:r>
+            <a:endParaRPr lang="pt-BR" altLang="en-US" sz="4600" b="1">
+              <a:solidFill>
+                <a:schemeClr val="bg1"/>
+              </a:solidFill>
+              <a:latin typeface="Century Gothic" panose="020B0502020202020204" charset="0"/>
+              <a:cs typeface="Century Gothic" panose="020B0502020202020204" charset="0"/>
+            </a:endParaRPr>
+          </a:p>
+        </p:txBody>
+      </p:sp>
+      <p:sp>
+        <p:nvSpPr>
+          <p:cNvPr id="7" name="Caixa de Texto 6"/>
+          <p:cNvSpPr txBox="1"/>
+          <p:nvPr>
+            <p:custDataLst>
+              <p:tags r:id="rId2"/>
+            </p:custDataLst>
+          </p:nvPr>
+        </p:nvSpPr>
+        <p:spPr>
+          <a:xfrm>
+            <a:off x="0" y="977900"/>
+            <a:ext cx="9613900" cy="1014730"/>
+          </a:xfrm>
+          <a:prstGeom prst="rect">
+            <a:avLst/>
+          </a:prstGeom>
+          <a:solidFill>
+            <a:schemeClr val="bg1"/>
+          </a:solidFill>
+        </p:spPr>
+        <p:txBody>
+          <a:bodyPr wrap="square" rtlCol="0">
+            <a:spAutoFit/>
+          </a:bodyPr>
+          <a:p>
+            <a:pPr algn="ctr"/>
+            <a:r>
+              <a:rPr lang="pt-BR" altLang="en-US" sz="2800" b="1">
+                <a:solidFill>
+                  <a:schemeClr val="tx1"/>
+                </a:solidFill>
+                <a:latin typeface="Century Gothic" panose="020B0502020202020204" charset="0"/>
+                <a:cs typeface="Century Gothic" panose="020B0502020202020204" charset="0"/>
+              </a:rPr>
+              <a:t>AVENTURAS ÉPICAS NA TERRA DA </a:t>
+            </a:r>
+            <a:endParaRPr lang="pt-BR" altLang="en-US" sz="2800" b="1">
+              <a:solidFill>
+                <a:schemeClr val="tx1"/>
+              </a:solidFill>
+              <a:latin typeface="Century Gothic" panose="020B0502020202020204" charset="0"/>
+              <a:cs typeface="Century Gothic" panose="020B0502020202020204" charset="0"/>
+            </a:endParaRPr>
+          </a:p>
+          <a:p>
+            <a:pPr algn="ctr"/>
+            <a:r>
+              <a:rPr lang="pt-BR" altLang="en-US" sz="3200" b="1">
+                <a:solidFill>
+                  <a:schemeClr val="tx1"/>
+                </a:solidFill>
+                <a:latin typeface="Century Gothic" panose="020B0502020202020204" charset="0"/>
+                <a:cs typeface="Century Gothic" panose="020B0502020202020204" charset="0"/>
+              </a:rPr>
+              <a:t>INTELIGÊNCIA ARTIFICIAL GENERATIVA</a:t>
+            </a:r>
+            <a:endParaRPr lang="pt-BR" altLang="en-US" sz="3200" b="1">
+              <a:solidFill>
+                <a:schemeClr val="tx1"/>
+              </a:solidFill>
+              <a:latin typeface="Century Gothic" panose="020B0502020202020204" charset="0"/>
+              <a:cs typeface="Century Gothic" panose="020B0502020202020204" charset="0"/>
+            </a:endParaRPr>
+          </a:p>
+        </p:txBody>
+      </p:sp>
+      <p:sp>
+        <p:nvSpPr>
+          <p:cNvPr id="8" name="Caixa de Texto 7"/>
+          <p:cNvSpPr txBox="1"/>
+          <p:nvPr>
+            <p:custDataLst>
+              <p:tags r:id="rId3"/>
+            </p:custDataLst>
+          </p:nvPr>
+        </p:nvSpPr>
+        <p:spPr>
+          <a:xfrm>
+            <a:off x="3091180" y="12158980"/>
+            <a:ext cx="3418205" cy="521970"/>
+          </a:xfrm>
+          <a:prstGeom prst="rect">
+            <a:avLst/>
+          </a:prstGeom>
+          <a:solidFill>
+            <a:schemeClr val="bg1"/>
+          </a:solidFill>
+        </p:spPr>
+        <p:txBody>
+          <a:bodyPr wrap="square" rtlCol="0">
+            <a:spAutoFit/>
+          </a:bodyPr>
+          <a:p>
+            <a:pPr algn="ctr"/>
+            <a:r>
+              <a:rPr lang="pt-BR" altLang="en-US" sz="2800" b="1">
+                <a:solidFill>
+                  <a:schemeClr val="tx1"/>
+                </a:solidFill>
+                <a:latin typeface="Century Gothic" panose="020B0502020202020204" charset="0"/>
+                <a:cs typeface="Century Gothic" panose="020B0502020202020204" charset="0"/>
+              </a:rPr>
+              <a:t>POLYANA AMARAL</a:t>
+            </a:r>
+            <a:endParaRPr lang="pt-BR" altLang="en-US" sz="2800" b="1">
+              <a:solidFill>
+                <a:schemeClr val="tx1"/>
+              </a:solidFill>
+              <a:latin typeface="Century Gothic" panose="020B0502020202020204" charset="0"/>
+              <a:cs typeface="Century Gothic" panose="020B0502020202020204" charset="0"/>
+            </a:endParaRPr>
+          </a:p>
+        </p:txBody>
+      </p:sp>
+    </p:spTree>
+  </p:cSld>
+  <p:clrMapOvr>
+    <a:masterClrMapping/>
+  </p:clrMapOvr>
+</p:sld>
+</file>
+
+<file path=ppt/slides/slide3.xml><?xml version="1.0" encoding="utf-8"?>
 <p:sld xmlns:a="http://schemas.openxmlformats.org/drawingml/2006/main" xmlns:r="http://schemas.openxmlformats.org/officeDocument/2006/relationships" xmlns:p="http://schemas.openxmlformats.org/presentationml/2006/main">
   <p:cSld>
     <p:bg>
@@ -8732,7 +9414,7 @@
 </p:sld>
 </file>
 
-<file path=ppt/slides/slide3.xml><?xml version="1.0" encoding="utf-8"?>
+<file path=ppt/slides/slide4.xml><?xml version="1.0" encoding="utf-8"?>
 <p:sld xmlns:a="http://schemas.openxmlformats.org/drawingml/2006/main" xmlns:r="http://schemas.openxmlformats.org/officeDocument/2006/relationships" xmlns:p="http://schemas.openxmlformats.org/presentationml/2006/main">
   <p:cSld>
     <p:spTree>
@@ -9025,7 +9707,7 @@
 </p:sld>
 </file>
 
-<file path=ppt/slides/slide4.xml><?xml version="1.0" encoding="utf-8"?>
+<file path=ppt/slides/slide5.xml><?xml version="1.0" encoding="utf-8"?>
 <p:sld xmlns:a="http://schemas.openxmlformats.org/drawingml/2006/main" xmlns:r="http://schemas.openxmlformats.org/officeDocument/2006/relationships" xmlns:p="http://schemas.openxmlformats.org/presentationml/2006/main">
   <p:cSld>
     <p:bg>
@@ -9322,7 +10004,7 @@
 </p:sld>
 </file>
 
-<file path=ppt/slides/slide5.xml><?xml version="1.0" encoding="utf-8"?>
+<file path=ppt/slides/slide6.xml><?xml version="1.0" encoding="utf-8"?>
 <p:sld xmlns:a="http://schemas.openxmlformats.org/drawingml/2006/main" xmlns:r="http://schemas.openxmlformats.org/officeDocument/2006/relationships" xmlns:p="http://schemas.openxmlformats.org/presentationml/2006/main">
   <p:cSld>
     <p:spTree>
@@ -9661,7 +10343,7 @@
 </p:sld>
 </file>
 
-<file path=ppt/slides/slide6.xml><?xml version="1.0" encoding="utf-8"?>
+<file path=ppt/slides/slide7.xml><?xml version="1.0" encoding="utf-8"?>
 <p:sld xmlns:a="http://schemas.openxmlformats.org/drawingml/2006/main" xmlns:r="http://schemas.openxmlformats.org/officeDocument/2006/relationships" xmlns:p="http://schemas.openxmlformats.org/presentationml/2006/main">
   <p:cSld>
     <p:bg>
@@ -9939,7 +10621,7 @@
 </p:sld>
 </file>
 
-<file path=ppt/slides/slide7.xml><?xml version="1.0" encoding="utf-8"?>
+<file path=ppt/slides/slide8.xml><?xml version="1.0" encoding="utf-8"?>
 <p:sld xmlns:a="http://schemas.openxmlformats.org/drawingml/2006/main" xmlns:r="http://schemas.openxmlformats.org/officeDocument/2006/relationships" xmlns:p="http://schemas.openxmlformats.org/presentationml/2006/main">
   <p:cSld>
     <p:spTree>
@@ -10232,7 +10914,7 @@
 </p:sld>
 </file>
 
-<file path=ppt/slides/slide8.xml><?xml version="1.0" encoding="utf-8"?>
+<file path=ppt/slides/slide9.xml><?xml version="1.0" encoding="utf-8"?>
 <p:sld xmlns:a="http://schemas.openxmlformats.org/drawingml/2006/main" xmlns:r="http://schemas.openxmlformats.org/officeDocument/2006/relationships" xmlns:p="http://schemas.openxmlformats.org/presentationml/2006/main">
   <p:cSld>
     <p:bg>
@@ -10486,345 +11168,6 @@
             <p:ph type="ftr" sz="quarter" idx="11"/>
             <p:custDataLst>
               <p:tags r:id="rId5"/>
-            </p:custDataLst>
-          </p:nvPr>
-        </p:nvSpPr>
-        <p:spPr>
-          <a:xfrm>
-            <a:off x="1390015" y="12120880"/>
-            <a:ext cx="6383655" cy="681355"/>
-          </a:xfrm>
-        </p:spPr>
-        <p:txBody>
-          <a:bodyPr/>
-          <a:p>
-            <a:r>
-              <a:rPr lang="en-US"/>
-              <a:t>ALÉM DO CONDADO: AVENTURAS ÉPICAS NA TERRA DA IA GENERATIVA - POLYANA AMARAL</a:t>
-            </a:r>
-            <a:endParaRPr lang="en-US"/>
-          </a:p>
-        </p:txBody>
-      </p:sp>
-    </p:spTree>
-  </p:cSld>
-  <p:clrMapOvr>
-    <a:masterClrMapping/>
-  </p:clrMapOvr>
-</p:sld>
-</file>
-
-<file path=ppt/slides/slide9.xml><?xml version="1.0" encoding="utf-8"?>
-<p:sld xmlns:a="http://schemas.openxmlformats.org/drawingml/2006/main" xmlns:r="http://schemas.openxmlformats.org/officeDocument/2006/relationships" xmlns:p="http://schemas.openxmlformats.org/presentationml/2006/main">
-  <p:cSld>
-    <p:spTree>
-      <p:nvGrpSpPr>
-        <p:cNvPr id="1" name=""/>
-        <p:cNvGrpSpPr/>
-        <p:nvPr/>
-      </p:nvGrpSpPr>
-      <p:grpSpPr/>
-      <p:sp>
-        <p:nvSpPr>
-          <p:cNvPr id="2" name="Caixa de Texto 1"/>
-          <p:cNvSpPr txBox="1"/>
-          <p:nvPr/>
-        </p:nvSpPr>
-        <p:spPr>
-          <a:xfrm>
-            <a:off x="1876425" y="1315720"/>
-            <a:ext cx="6537325" cy="6256655"/>
-          </a:xfrm>
-          <a:prstGeom prst="rect">
-            <a:avLst/>
-          </a:prstGeom>
-          <a:noFill/>
-        </p:spPr>
-        <p:txBody>
-          <a:bodyPr wrap="square" rtlCol="0">
-            <a:noAutofit/>
-          </a:bodyPr>
-          <a:p>
-            <a:r>
-              <a:rPr lang="pt-BR" altLang="en-US" sz="41300" b="1">
-                <a:ln w="76200">
-                  <a:solidFill>
-                    <a:srgbClr val="A976A6"/>
-                  </a:solidFill>
-                </a:ln>
-                <a:noFill/>
-                <a:effectLst>
-                  <a:outerShdw blurRad="38100" dist="38100" dir="2700000" algn="tl">
-                    <a:srgbClr val="000000">
-                      <a:alpha val="43137"/>
-                    </a:srgbClr>
-                  </a:outerShdw>
-                </a:effectLst>
-                <a:latin typeface="Century Gothic" panose="020B0502020202020204" charset="0"/>
-                <a:cs typeface="Century Gothic" panose="020B0502020202020204" charset="0"/>
-              </a:rPr>
-              <a:t>04</a:t>
-            </a:r>
-            <a:endParaRPr lang="pt-BR" altLang="en-US" sz="41300" b="1">
-              <a:ln w="76200">
-                <a:solidFill>
-                  <a:srgbClr val="A976A6"/>
-                </a:solidFill>
-              </a:ln>
-              <a:noFill/>
-              <a:effectLst>
-                <a:outerShdw blurRad="38100" dist="38100" dir="2700000" algn="tl">
-                  <a:srgbClr val="000000">
-                    <a:alpha val="43137"/>
-                  </a:srgbClr>
-                </a:outerShdw>
-              </a:effectLst>
-              <a:latin typeface="Century Gothic" panose="020B0502020202020204" charset="0"/>
-              <a:cs typeface="Century Gothic" panose="020B0502020202020204" charset="0"/>
-            </a:endParaRPr>
-          </a:p>
-        </p:txBody>
-      </p:sp>
-      <p:sp>
-        <p:nvSpPr>
-          <p:cNvPr id="6" name="Caixa de Texto 5"/>
-          <p:cNvSpPr txBox="1"/>
-          <p:nvPr>
-            <p:custDataLst>
-              <p:tags r:id="rId1"/>
-            </p:custDataLst>
-          </p:nvPr>
-        </p:nvSpPr>
-        <p:spPr>
-          <a:xfrm>
-            <a:off x="-476885" y="7689850"/>
-            <a:ext cx="9601200" cy="1477010"/>
-          </a:xfrm>
-          <a:prstGeom prst="rect">
-            <a:avLst/>
-          </a:prstGeom>
-          <a:noFill/>
-        </p:spPr>
-        <p:txBody>
-          <a:bodyPr wrap="square" lIns="0" tIns="0" rIns="0" bIns="0" rtlCol="0" anchor="ctr" anchorCtr="0">
-            <a:spAutoFit/>
-          </a:bodyPr>
-          <a:p>
-            <a:pPr marL="457200" lvl="1" indent="457200" algn="ctr"/>
-            <a:r>
-              <a:rPr lang="pt-BR" altLang="en-US" sz="4800" b="1">
-                <a:solidFill>
-                  <a:schemeClr val="bg1"/>
-                </a:solidFill>
-                <a:latin typeface="Century Gothic" panose="020B0502020202020204" charset="0"/>
-                <a:cs typeface="Century Gothic" panose="020B0502020202020204" charset="0"/>
-              </a:rPr>
-              <a:t>APLICAÇÕES DA </a:t>
-            </a:r>
-            <a:endParaRPr lang="pt-BR" altLang="en-US" sz="4800" b="1">
-              <a:solidFill>
-                <a:schemeClr val="bg1"/>
-              </a:solidFill>
-              <a:latin typeface="Century Gothic" panose="020B0502020202020204" charset="0"/>
-              <a:cs typeface="Century Gothic" panose="020B0502020202020204" charset="0"/>
-            </a:endParaRPr>
-          </a:p>
-          <a:p>
-            <a:pPr marL="457200" lvl="1" indent="457200" algn="ctr"/>
-            <a:r>
-              <a:rPr lang="pt-BR" altLang="en-US" sz="4800" b="1">
-                <a:solidFill>
-                  <a:schemeClr val="bg1"/>
-                </a:solidFill>
-                <a:latin typeface="Century Gothic" panose="020B0502020202020204" charset="0"/>
-                <a:cs typeface="Century Gothic" panose="020B0502020202020204" charset="0"/>
-              </a:rPr>
-              <a:t>IA GENERATIVA</a:t>
-            </a:r>
-            <a:endParaRPr lang="pt-BR" altLang="en-US" sz="4800" b="1">
-              <a:solidFill>
-                <a:schemeClr val="bg1"/>
-              </a:solidFill>
-              <a:latin typeface="Century Gothic" panose="020B0502020202020204" charset="0"/>
-              <a:cs typeface="Century Gothic" panose="020B0502020202020204" charset="0"/>
-            </a:endParaRPr>
-          </a:p>
-        </p:txBody>
-      </p:sp>
-      <p:cxnSp>
-        <p:nvCxnSpPr>
-          <p:cNvPr id="3" name="Conector Reto 2"/>
-          <p:cNvCxnSpPr/>
-          <p:nvPr>
-            <p:custDataLst>
-              <p:tags r:id="rId2"/>
-            </p:custDataLst>
-          </p:nvPr>
-        </p:nvCxnSpPr>
-        <p:spPr>
-          <a:xfrm flipH="1">
-            <a:off x="590550" y="9582150"/>
-            <a:ext cx="8667115" cy="41910"/>
-          </a:xfrm>
-          <a:prstGeom prst="line">
-            <a:avLst/>
-          </a:prstGeom>
-          <a:ln w="203200">
-            <a:gradFill>
-              <a:gsLst>
-                <a:gs pos="58000">
-                  <a:srgbClr val="A976A6"/>
-                </a:gs>
-                <a:gs pos="97000">
-                  <a:schemeClr val="accent1">
-                    <a:lumMod val="45000"/>
-                    <a:lumOff val="55000"/>
-                  </a:schemeClr>
-                </a:gs>
-                <a:gs pos="100000">
-                  <a:srgbClr val="A976A6"/>
-                </a:gs>
-                <a:gs pos="100000">
-                  <a:schemeClr val="accent1">
-                    <a:lumMod val="30000"/>
-                    <a:lumOff val="70000"/>
-                  </a:schemeClr>
-                </a:gs>
-              </a:gsLst>
-              <a:lin ang="10800000" scaled="0"/>
-            </a:gradFill>
-          </a:ln>
-          <a:effectLst/>
-        </p:spPr>
-        <p:style>
-          <a:lnRef idx="2">
-            <a:schemeClr val="accent1"/>
-          </a:lnRef>
-          <a:fillRef idx="0">
-            <a:srgbClr val="FFFFFF"/>
-          </a:fillRef>
-          <a:effectRef idx="0">
-            <a:srgbClr val="FFFFFF"/>
-          </a:effectRef>
-          <a:fontRef idx="minor">
-            <a:schemeClr val="tx1"/>
-          </a:fontRef>
-        </p:style>
-      </p:cxnSp>
-      <p:sp>
-        <p:nvSpPr>
-          <p:cNvPr id="4" name="Caixa de Texto 3"/>
-          <p:cNvSpPr txBox="1"/>
-          <p:nvPr>
-            <p:custDataLst>
-              <p:tags r:id="rId3"/>
-            </p:custDataLst>
-          </p:nvPr>
-        </p:nvSpPr>
-        <p:spPr>
-          <a:xfrm>
-            <a:off x="-501650" y="7636510"/>
-            <a:ext cx="9601200" cy="1568450"/>
-          </a:xfrm>
-          <a:prstGeom prst="rect">
-            <a:avLst/>
-          </a:prstGeom>
-          <a:noFill/>
-        </p:spPr>
-        <p:txBody>
-          <a:bodyPr wrap="square" rtlCol="0" anchor="ctr" anchorCtr="0">
-            <a:spAutoFit/>
-          </a:bodyPr>
-          <a:p>
-            <a:pPr marL="457200" lvl="1" indent="457200" algn="ctr"/>
-            <a:r>
-              <a:rPr lang="pt-BR" altLang="en-US" sz="4800" b="1">
-                <a:ln>
-                  <a:solidFill>
-                    <a:schemeClr val="bg1"/>
-                  </a:solidFill>
-                </a:ln>
-                <a:noFill/>
-                <a:latin typeface="Century Gothic" panose="020B0502020202020204" charset="0"/>
-                <a:cs typeface="Century Gothic" panose="020B0502020202020204" charset="0"/>
-              </a:rPr>
-              <a:t>APLICAÇÕES DA </a:t>
-            </a:r>
-            <a:endParaRPr lang="pt-BR" altLang="en-US" sz="4800" b="1">
-              <a:ln>
-                <a:solidFill>
-                  <a:schemeClr val="bg1"/>
-                </a:solidFill>
-              </a:ln>
-              <a:noFill/>
-              <a:latin typeface="Century Gothic" panose="020B0502020202020204" charset="0"/>
-              <a:cs typeface="Century Gothic" panose="020B0502020202020204" charset="0"/>
-            </a:endParaRPr>
-          </a:p>
-          <a:p>
-            <a:pPr marL="457200" lvl="1" indent="457200" algn="ctr"/>
-            <a:r>
-              <a:rPr lang="pt-BR" altLang="en-US" sz="4800" b="1">
-                <a:ln>
-                  <a:solidFill>
-                    <a:schemeClr val="bg1"/>
-                  </a:solidFill>
-                </a:ln>
-                <a:noFill/>
-                <a:latin typeface="Century Gothic" panose="020B0502020202020204" charset="0"/>
-                <a:cs typeface="Century Gothic" panose="020B0502020202020204" charset="0"/>
-              </a:rPr>
-              <a:t>IA GENERATIVA</a:t>
-            </a:r>
-            <a:endParaRPr lang="pt-BR" altLang="en-US" sz="4800" b="1">
-              <a:ln>
-                <a:solidFill>
-                  <a:schemeClr val="bg1"/>
-                </a:solidFill>
-              </a:ln>
-              <a:noFill/>
-              <a:latin typeface="Century Gothic" panose="020B0502020202020204" charset="0"/>
-              <a:cs typeface="Century Gothic" panose="020B0502020202020204" charset="0"/>
-            </a:endParaRPr>
-          </a:p>
-        </p:txBody>
-      </p:sp>
-      <p:sp>
-        <p:nvSpPr>
-          <p:cNvPr id="9" name="Espaço Reservado para Número de Slide 8"/>
-          <p:cNvSpPr>
-            <a:spLocks noGrp="1"/>
-          </p:cNvSpPr>
-          <p:nvPr>
-            <p:ph type="sldNum" sz="quarter" idx="12"/>
-          </p:nvPr>
-        </p:nvSpPr>
-        <p:spPr>
-          <a:xfrm>
-            <a:off x="6780848" y="12121093"/>
-            <a:ext cx="2160270" cy="681567"/>
-          </a:xfrm>
-        </p:spPr>
-        <p:txBody>
-          <a:bodyPr/>
-          <a:p>
-            <a:fld id="{49AE70B2-8BF9-45C0-BB95-33D1B9D3A854}" type="slidenum">
-              <a:rPr lang="en-US" smtClean="0"/>
-            </a:fld>
-            <a:endParaRPr lang="en-US"/>
-          </a:p>
-        </p:txBody>
-      </p:sp>
-      <p:sp>
-        <p:nvSpPr>
-          <p:cNvPr id="11" name="Espaço Reservado para Rodapé 10"/>
-          <p:cNvSpPr>
-            <a:spLocks noGrp="1"/>
-          </p:cNvSpPr>
-          <p:nvPr>
-            <p:ph type="ftr" sz="quarter" idx="11"/>
-            <p:custDataLst>
-              <p:tags r:id="rId4"/>
             </p:custDataLst>
           </p:nvPr>
         </p:nvSpPr>
@@ -11100,6 +11443,18 @@
 </file>
 
 <file path=ppt/tags/tag47.xml><?xml version="1.0" encoding="utf-8"?>
+<p:tagLst xmlns:p="http://schemas.openxmlformats.org/presentationml/2006/main">
+  <p:tag name="KSO_WM_BEAUTIFY_FLAG" val=""/>
+</p:tagLst>
+</file>
+
+<file path=ppt/tags/tag48.xml><?xml version="1.0" encoding="utf-8"?>
+<p:tagLst xmlns:p="http://schemas.openxmlformats.org/presentationml/2006/main">
+  <p:tag name="KSO_WM_BEAUTIFY_FLAG" val=""/>
+</p:tagLst>
+</file>
+
+<file path=ppt/tags/tag49.xml><?xml version="1.0" encoding="utf-8"?>
 <p:tagLst xmlns:p="http://schemas.openxmlformats.org/presentationml/2006/main">
   <p:tag name="KSO_WM_BEAUTIFY_FLAG" val=""/>
 </p:tagLst>
